--- a/Medical Record Blockchain Storage.pptx
+++ b/Medical Record Blockchain Storage.pptx
@@ -5,19 +5,20 @@
     <p:sldMasterId id="2147483648" r:id="rId1"/>
   </p:sldMasterIdLst>
   <p:notesMasterIdLst>
-    <p:notesMasterId r:id="rId9"/>
+    <p:notesMasterId r:id="rId10"/>
   </p:notesMasterIdLst>
   <p:handoutMasterIdLst>
-    <p:handoutMasterId r:id="rId10"/>
+    <p:handoutMasterId r:id="rId11"/>
   </p:handoutMasterIdLst>
   <p:sldIdLst>
     <p:sldId id="272" r:id="rId2"/>
     <p:sldId id="273" r:id="rId3"/>
     <p:sldId id="259" r:id="rId4"/>
     <p:sldId id="278" r:id="rId5"/>
-    <p:sldId id="268" r:id="rId6"/>
-    <p:sldId id="280" r:id="rId7"/>
-    <p:sldId id="281" r:id="rId8"/>
+    <p:sldId id="282" r:id="rId6"/>
+    <p:sldId id="268" r:id="rId7"/>
+    <p:sldId id="280" r:id="rId8"/>
+    <p:sldId id="281" r:id="rId9"/>
   </p:sldIdLst>
   <p:sldSz cx="12192000" cy="6858000"/>
   <p:notesSz cx="6858000" cy="9144000"/>
@@ -169,16 +170,32 @@
   <pc:docChgLst>
     <pc:chgData name="Nikhil Gautam" userId="64026ce4ff3d97ba" providerId="LiveId" clId="{041025EB-9D10-42A6-B014-F264B9119FE7}"/>
     <pc:docChg chg="undo custSel addSld delSld modSld sldOrd">
-      <pc:chgData name="Nikhil Gautam" userId="64026ce4ff3d97ba" providerId="LiveId" clId="{041025EB-9D10-42A6-B014-F264B9119FE7}" dt="2023-02-15T04:46:53.907" v="5590" actId="20577"/>
+      <pc:chgData name="Nikhil Gautam" userId="64026ce4ff3d97ba" providerId="LiveId" clId="{041025EB-9D10-42A6-B014-F264B9119FE7}" dt="2023-02-15T05:12:40.794" v="6061" actId="20577"/>
       <pc:docMkLst>
         <pc:docMk/>
       </pc:docMkLst>
       <pc:sldChg chg="modSp mod">
-        <pc:chgData name="Nikhil Gautam" userId="64026ce4ff3d97ba" providerId="LiveId" clId="{041025EB-9D10-42A6-B014-F264B9119FE7}" dt="2023-02-15T03:10:33.708" v="1560" actId="20577"/>
+        <pc:chgData name="Nikhil Gautam" userId="64026ce4ff3d97ba" providerId="LiveId" clId="{041025EB-9D10-42A6-B014-F264B9119FE7}" dt="2023-02-15T04:52:17.233" v="5617" actId="20577"/>
         <pc:sldMkLst>
           <pc:docMk/>
           <pc:sldMk cId="3435077016" sldId="259"/>
         </pc:sldMkLst>
+        <pc:spChg chg="mod">
+          <ac:chgData name="Nikhil Gautam" userId="64026ce4ff3d97ba" providerId="LiveId" clId="{041025EB-9D10-42A6-B014-F264B9119FE7}" dt="2023-02-15T04:52:08.481" v="5594" actId="20577"/>
+          <ac:spMkLst>
+            <pc:docMk/>
+            <pc:sldMk cId="3435077016" sldId="259"/>
+            <ac:spMk id="2" creationId="{DA884D8B-635B-7402-1437-04A104C24B54}"/>
+          </ac:spMkLst>
+        </pc:spChg>
+        <pc:spChg chg="mod">
+          <ac:chgData name="Nikhil Gautam" userId="64026ce4ff3d97ba" providerId="LiveId" clId="{041025EB-9D10-42A6-B014-F264B9119FE7}" dt="2023-02-15T04:52:17.233" v="5617" actId="20577"/>
+          <ac:spMkLst>
+            <pc:docMk/>
+            <pc:sldMk cId="3435077016" sldId="259"/>
+            <ac:spMk id="3" creationId="{FAD9BE9C-B5EA-5DA0-9156-6E05D3882992}"/>
+          </ac:spMkLst>
+        </pc:spChg>
         <pc:spChg chg="mod">
           <ac:chgData name="Nikhil Gautam" userId="64026ce4ff3d97ba" providerId="LiveId" clId="{041025EB-9D10-42A6-B014-F264B9119FE7}" dt="2023-02-15T03:10:33.708" v="1560" actId="20577"/>
           <ac:spMkLst>
@@ -351,7 +368,7 @@
         </pc:sldMkLst>
       </pc:sldChg>
       <pc:sldChg chg="modSp mod ord">
-        <pc:chgData name="Nikhil Gautam" userId="64026ce4ff3d97ba" providerId="LiveId" clId="{041025EB-9D10-42A6-B014-F264B9119FE7}" dt="2023-02-15T04:41:15.459" v="5426" actId="114"/>
+        <pc:chgData name="Nikhil Gautam" userId="64026ce4ff3d97ba" providerId="LiveId" clId="{041025EB-9D10-42A6-B014-F264B9119FE7}" dt="2023-02-15T04:52:39.347" v="5644" actId="20577"/>
         <pc:sldMkLst>
           <pc:docMk/>
           <pc:sldMk cId="2759600390" sldId="268"/>
@@ -396,9 +413,25 @@
             <ac:spMk id="7" creationId="{BD1C6792-93C5-DED1-0872-50E165128229}"/>
           </ac:spMkLst>
         </pc:spChg>
+        <pc:spChg chg="mod">
+          <ac:chgData name="Nikhil Gautam" userId="64026ce4ff3d97ba" providerId="LiveId" clId="{041025EB-9D10-42A6-B014-F264B9119FE7}" dt="2023-02-15T04:52:28.465" v="5621" actId="20577"/>
+          <ac:spMkLst>
+            <pc:docMk/>
+            <pc:sldMk cId="2759600390" sldId="268"/>
+            <ac:spMk id="8" creationId="{3B8B492D-0778-C859-9200-08161ABEBFE5}"/>
+          </ac:spMkLst>
+        </pc:spChg>
+        <pc:spChg chg="mod">
+          <ac:chgData name="Nikhil Gautam" userId="64026ce4ff3d97ba" providerId="LiveId" clId="{041025EB-9D10-42A6-B014-F264B9119FE7}" dt="2023-02-15T04:52:39.347" v="5644" actId="20577"/>
+          <ac:spMkLst>
+            <pc:docMk/>
+            <pc:sldMk cId="2759600390" sldId="268"/>
+            <ac:spMk id="9" creationId="{B1185DEE-1419-7DB6-949B-929195894BC8}"/>
+          </ac:spMkLst>
+        </pc:spChg>
       </pc:sldChg>
       <pc:sldChg chg="modSp mod">
-        <pc:chgData name="Nikhil Gautam" userId="64026ce4ff3d97ba" providerId="LiveId" clId="{041025EB-9D10-42A6-B014-F264B9119FE7}" dt="2023-02-15T04:29:23.993" v="5366" actId="20577"/>
+        <pc:chgData name="Nikhil Gautam" userId="64026ce4ff3d97ba" providerId="LiveId" clId="{041025EB-9D10-42A6-B014-F264B9119FE7}" dt="2023-02-15T05:04:13.563" v="5709" actId="20577"/>
         <pc:sldMkLst>
           <pc:docMk/>
           <pc:sldMk cId="3474133943" sldId="273"/>
@@ -411,8 +444,8 @@
             <ac:spMk id="4" creationId="{45878135-3F5C-BB53-0082-122956799B79}"/>
           </ac:spMkLst>
         </pc:spChg>
-        <pc:graphicFrameChg chg="modGraphic">
-          <ac:chgData name="Nikhil Gautam" userId="64026ce4ff3d97ba" providerId="LiveId" clId="{041025EB-9D10-42A6-B014-F264B9119FE7}" dt="2023-02-15T04:29:23.993" v="5366" actId="20577"/>
+        <pc:graphicFrameChg chg="mod modGraphic">
+          <ac:chgData name="Nikhil Gautam" userId="64026ce4ff3d97ba" providerId="LiveId" clId="{041025EB-9D10-42A6-B014-F264B9119FE7}" dt="2023-02-15T05:04:13.563" v="5709" actId="20577"/>
           <ac:graphicFrameMkLst>
             <pc:docMk/>
             <pc:sldMk cId="3474133943" sldId="273"/>
@@ -421,7 +454,7 @@
         </pc:graphicFrameChg>
       </pc:sldChg>
       <pc:sldChg chg="addSp delSp modSp mod">
-        <pc:chgData name="Nikhil Gautam" userId="64026ce4ff3d97ba" providerId="LiveId" clId="{041025EB-9D10-42A6-B014-F264B9119FE7}" dt="2023-02-15T04:46:53.907" v="5590" actId="20577"/>
+        <pc:chgData name="Nikhil Gautam" userId="64026ce4ff3d97ba" providerId="LiveId" clId="{041025EB-9D10-42A6-B014-F264B9119FE7}" dt="2023-02-15T05:06:26.828" v="5847" actId="207"/>
         <pc:sldMkLst>
           <pc:docMk/>
           <pc:sldMk cId="520000563" sldId="278"/>
@@ -443,7 +476,7 @@
           </ac:spMkLst>
         </pc:spChg>
         <pc:spChg chg="add mod">
-          <ac:chgData name="Nikhil Gautam" userId="64026ce4ff3d97ba" providerId="LiveId" clId="{041025EB-9D10-42A6-B014-F264B9119FE7}" dt="2023-02-15T04:46:53.907" v="5590" actId="20577"/>
+          <ac:chgData name="Nikhil Gautam" userId="64026ce4ff3d97ba" providerId="LiveId" clId="{041025EB-9D10-42A6-B014-F264B9119FE7}" dt="2023-02-15T05:06:26.828" v="5847" actId="207"/>
           <ac:spMkLst>
             <pc:docMk/>
             <pc:sldMk cId="520000563" sldId="278"/>
@@ -459,7 +492,7 @@
         </pc:sldMkLst>
       </pc:sldChg>
       <pc:sldChg chg="modSp mod">
-        <pc:chgData name="Nikhil Gautam" userId="64026ce4ff3d97ba" providerId="LiveId" clId="{041025EB-9D10-42A6-B014-F264B9119FE7}" dt="2023-02-15T04:43:38.680" v="5452" actId="5793"/>
+        <pc:chgData name="Nikhil Gautam" userId="64026ce4ff3d97ba" providerId="LiveId" clId="{041025EB-9D10-42A6-B014-F264B9119FE7}" dt="2023-02-15T04:52:54.863" v="5649"/>
         <pc:sldMkLst>
           <pc:docMk/>
           <pc:sldMk cId="3418206844" sldId="280"/>
@@ -478,6 +511,22 @@
             <pc:docMk/>
             <pc:sldMk cId="3418206844" sldId="280"/>
             <ac:spMk id="3" creationId="{FA7AB109-D696-F27C-BD95-5BEBCF3AC000}"/>
+          </ac:spMkLst>
+        </pc:spChg>
+        <pc:spChg chg="mod">
+          <ac:chgData name="Nikhil Gautam" userId="64026ce4ff3d97ba" providerId="LiveId" clId="{041025EB-9D10-42A6-B014-F264B9119FE7}" dt="2023-02-15T04:52:51.921" v="5648" actId="20577"/>
+          <ac:spMkLst>
+            <pc:docMk/>
+            <pc:sldMk cId="3418206844" sldId="280"/>
+            <ac:spMk id="4" creationId="{90EE3569-F451-360A-870F-C2F3992E9A8C}"/>
+          </ac:spMkLst>
+        </pc:spChg>
+        <pc:spChg chg="mod">
+          <ac:chgData name="Nikhil Gautam" userId="64026ce4ff3d97ba" providerId="LiveId" clId="{041025EB-9D10-42A6-B014-F264B9119FE7}" dt="2023-02-15T04:52:54.863" v="5649"/>
+          <ac:spMkLst>
+            <pc:docMk/>
+            <pc:sldMk cId="3418206844" sldId="280"/>
+            <ac:spMk id="5" creationId="{79E5D029-257A-C084-D723-B5E115AFEAF9}"/>
           </ac:spMkLst>
         </pc:spChg>
       </pc:sldChg>
@@ -502,6 +551,53 @@
           <pc:docMk/>
           <pc:sldMk cId="1164941242" sldId="282"/>
         </pc:sldMkLst>
+      </pc:sldChg>
+      <pc:sldChg chg="addSp delSp modSp new mod">
+        <pc:chgData name="Nikhil Gautam" userId="64026ce4ff3d97ba" providerId="LiveId" clId="{041025EB-9D10-42A6-B014-F264B9119FE7}" dt="2023-02-15T05:12:40.794" v="6061" actId="20577"/>
+        <pc:sldMkLst>
+          <pc:docMk/>
+          <pc:sldMk cId="1246646740" sldId="282"/>
+        </pc:sldMkLst>
+        <pc:spChg chg="del">
+          <ac:chgData name="Nikhil Gautam" userId="64026ce4ff3d97ba" providerId="LiveId" clId="{041025EB-9D10-42A6-B014-F264B9119FE7}" dt="2023-02-15T05:04:29.668" v="5711" actId="478"/>
+          <ac:spMkLst>
+            <pc:docMk/>
+            <pc:sldMk cId="1246646740" sldId="282"/>
+            <ac:spMk id="2" creationId="{558F55E5-AE00-F1B6-827C-26D9E44D2249}"/>
+          </ac:spMkLst>
+        </pc:spChg>
+        <pc:spChg chg="del">
+          <ac:chgData name="Nikhil Gautam" userId="64026ce4ff3d97ba" providerId="LiveId" clId="{041025EB-9D10-42A6-B014-F264B9119FE7}" dt="2023-02-15T05:04:34.466" v="5712" actId="478"/>
+          <ac:spMkLst>
+            <pc:docMk/>
+            <pc:sldMk cId="1246646740" sldId="282"/>
+            <ac:spMk id="3" creationId="{F691E65A-2BB9-1AD0-1477-2319DB563218}"/>
+          </ac:spMkLst>
+        </pc:spChg>
+        <pc:spChg chg="add mod">
+          <ac:chgData name="Nikhil Gautam" userId="64026ce4ff3d97ba" providerId="LiveId" clId="{041025EB-9D10-42A6-B014-F264B9119FE7}" dt="2023-02-15T05:04:59.015" v="5726" actId="1076"/>
+          <ac:spMkLst>
+            <pc:docMk/>
+            <pc:sldMk cId="1246646740" sldId="282"/>
+            <ac:spMk id="4" creationId="{211E18AC-37C9-25A7-6AF3-573FB20CF7B2}"/>
+          </ac:spMkLst>
+        </pc:spChg>
+        <pc:spChg chg="add del mod">
+          <ac:chgData name="Nikhil Gautam" userId="64026ce4ff3d97ba" providerId="LiveId" clId="{041025EB-9D10-42A6-B014-F264B9119FE7}" dt="2023-02-15T05:05:08.576" v="5729"/>
+          <ac:spMkLst>
+            <pc:docMk/>
+            <pc:sldMk cId="1246646740" sldId="282"/>
+            <ac:spMk id="5" creationId="{60F2D794-0C04-E07D-681F-C7E56E4ED4F8}"/>
+          </ac:spMkLst>
+        </pc:spChg>
+        <pc:spChg chg="add mod">
+          <ac:chgData name="Nikhil Gautam" userId="64026ce4ff3d97ba" providerId="LiveId" clId="{041025EB-9D10-42A6-B014-F264B9119FE7}" dt="2023-02-15T05:12:40.794" v="6061" actId="20577"/>
+          <ac:spMkLst>
+            <pc:docMk/>
+            <pc:sldMk cId="1246646740" sldId="282"/>
+            <ac:spMk id="6" creationId="{2C415FD3-E069-68A8-80B9-6EE325770A98}"/>
+          </ac:spMkLst>
+        </pc:spChg>
       </pc:sldChg>
       <pc:sldChg chg="modSp new del mod ord">
         <pc:chgData name="Nikhil Gautam" userId="64026ce4ff3d97ba" providerId="LiveId" clId="{041025EB-9D10-42A6-B014-F264B9119FE7}" dt="2023-02-15T03:11:56.071" v="1595" actId="47"/>
@@ -1210,7 +1306,7 @@
           <a:p>
             <a:fld id="{7C366290-4595-5745-A50F-D5EC13BAC604}" type="slidenum">
               <a:rPr lang="en-US" smtClean="0"/>
-              <a:t>5</a:t>
+              <a:t>6</a:t>
             </a:fld>
             <a:endParaRPr lang="en-US" dirty="0"/>
           </a:p>
@@ -40900,7 +40996,7 @@
             <p:ph idx="1"/>
             <p:extLst>
               <p:ext uri="{D42A27DB-BD31-4B8C-83A1-F6EECF244321}">
-                <p14:modId xmlns:p14="http://schemas.microsoft.com/office/powerpoint/2010/main" val="2727749883"/>
+                <p14:modId xmlns:p14="http://schemas.microsoft.com/office/powerpoint/2010/main" val="595773636"/>
               </p:ext>
             </p:extLst>
           </p:nvPr>
@@ -41118,7 +41214,7 @@
                           <a:latin typeface="+mn-lt"/>
                           <a:cs typeface="Gill Sans Light" panose="020B0302020104020203" pitchFamily="34" charset="-79"/>
                         </a:rPr>
-                        <a:t>AREAS OF FOCUS</a:t>
+                        <a:t>ADVANTAGES</a:t>
                       </a:r>
                     </a:p>
                     <a:p>
@@ -41207,7 +41303,7 @@
                           <a:latin typeface="+mn-lt"/>
                           <a:cs typeface="Gill Sans Light" panose="020B0302020104020203" pitchFamily="34" charset="-79"/>
                         </a:rPr>
-                        <a:t>FUTURE</a:t>
+                        <a:t>AREAS OF FOCUS</a:t>
                       </a:r>
                     </a:p>
                     <a:p>
@@ -41291,14 +41387,27 @@
                         <a:tabLst/>
                         <a:defRPr/>
                       </a:pPr>
-                      <a:endParaRPr lang="en-US" sz="1800" kern="1200" dirty="0">
-                        <a:solidFill>
-                          <a:schemeClr val="tx1"/>
-                        </a:solidFill>
-                        <a:latin typeface="+mj-lt"/>
-                        <a:ea typeface="+mn-ea"/>
-                        <a:cs typeface="+mn-cs"/>
-                      </a:endParaRPr>
+                      <a:r>
+                        <a:rPr lang="en-US" sz="2400" dirty="0">
+                          <a:latin typeface="+mn-lt"/>
+                          <a:cs typeface="Gill Sans Light" panose="020B0302020104020203" pitchFamily="34" charset="-79"/>
+                        </a:rPr>
+                        <a:t>FUTURE</a:t>
+                      </a:r>
+                    </a:p>
+                    <a:p>
+                      <a:pPr marL="0" algn="r" defTabSz="914400" rtl="0" eaLnBrk="1" latinLnBrk="0" hangingPunct="1"/>
+                      <a:r>
+                        <a:rPr lang="en-US" sz="1800" kern="1200" dirty="0">
+                          <a:solidFill>
+                            <a:schemeClr val="tx1"/>
+                          </a:solidFill>
+                          <a:latin typeface="+mj-lt"/>
+                          <a:ea typeface="+mn-ea"/>
+                          <a:cs typeface="+mn-cs"/>
+                        </a:rPr>
+                        <a:t>7</a:t>
+                      </a:r>
                     </a:p>
                   </a:txBody>
                   <a:tcPr anchor="b">
@@ -41495,7 +41604,7 @@
           <a:p>
             <a:r>
               <a:rPr lang="en-US" dirty="0"/>
-              <a:t>20XX</a:t>
+              <a:t>2023</a:t>
             </a:r>
           </a:p>
         </p:txBody>
@@ -41522,9 +41631,10 @@
           <a:lstStyle/>
           <a:p>
             <a:r>
-              <a:rPr lang="en-US" dirty="0"/>
-              <a:t>presentation title</a:t>
+              <a:rPr lang="en-US" dirty="0" err="1"/>
+              <a:t>MoRBS</a:t>
             </a:r>
+            <a:endParaRPr lang="en-US" dirty="0"/>
           </a:p>
         </p:txBody>
       </p:sp>
@@ -41660,26 +41770,33 @@
           <a:lstStyle/>
           <a:p>
             <a:r>
-              <a:rPr lang="en-US" dirty="0"/>
+              <a:rPr lang="en-US" dirty="0">
+                <a:solidFill>
+                  <a:schemeClr val="bg1"/>
+                </a:solidFill>
+              </a:rPr>
               <a:t>Medical record storage system is a blockchain based system to store medical records of a patient online on a safe and secure blockchain network. Blockchain is an emerging technology which could be used to store data online on a decentralized storage which is more secure and transparent that traditional cloud networks. </a:t>
             </a:r>
           </a:p>
           <a:p>
             <a:r>
-              <a:rPr lang="en-US" dirty="0"/>
+              <a:rPr lang="en-US" dirty="0">
+                <a:solidFill>
+                  <a:schemeClr val="bg1"/>
+                </a:solidFill>
+              </a:rPr>
               <a:t>           In our project we are developing a document upload website using Recat.js, IPFS, Truffle, Solidity. We are using IPFS network as a network to store data. We are using truffle to generate hash address and unbox data, Solidity is the language that we are using to generate smart contract to run our blockchain network. React.js is used to develop frontend for the system.</a:t>
             </a:r>
           </a:p>
           <a:p>
             <a:r>
-              <a:rPr lang="en-US" dirty="0"/>
-              <a:t>          In our network majority shares of the block will be available to user so that he will be able to control the access to his details and data. After patient provides the access to the doctor he can study the reports to diagnose the patient. For registration we will complete KYC of patient and for doctor we will verify his/her medical certificates and then provide him/her access to our service. An option will also be provided to add a guardian as if someone is not able to </a:t>
+              <a:rPr lang="en-US" dirty="0">
+                <a:solidFill>
+                  <a:schemeClr val="bg1"/>
+                </a:solidFill>
+              </a:rPr>
+              <a:t>          In our network majority shares of the block will be available to user so that he will be able to control the access to his details and data. After patient provides the access to the doctor he can study the reports to diagnose the patient. For registration we will complete KYC of patient and for doctor we will verify his/her medical certificates and then provide him/her access to our service. An option will also be provided to add a guardian as if someone is not able to provide access.</a:t>
             </a:r>
-            <a:r>
-              <a:rPr lang="en-US"/>
-              <a:t>provide access.</a:t>
-            </a:r>
-            <a:endParaRPr lang="en-US" dirty="0"/>
           </a:p>
         </p:txBody>
       </p:sp>
@@ -41697,6 +41814,272 @@
 </file>
 
 <file path=ppt/slides/slide5.xml><?xml version="1.0" encoding="utf-8"?>
+<p:sld xmlns:a="http://schemas.openxmlformats.org/drawingml/2006/main" xmlns:r="http://schemas.openxmlformats.org/officeDocument/2006/relationships" xmlns:p="http://schemas.openxmlformats.org/presentationml/2006/main">
+  <p:cSld>
+    <p:spTree>
+      <p:nvGrpSpPr>
+        <p:cNvPr id="1" name=""/>
+        <p:cNvGrpSpPr/>
+        <p:nvPr/>
+      </p:nvGrpSpPr>
+      <p:grpSpPr>
+        <a:xfrm>
+          <a:off x="0" y="0"/>
+          <a:ext cx="0" cy="0"/>
+          <a:chOff x="0" y="0"/>
+          <a:chExt cx="0" cy="0"/>
+        </a:xfrm>
+      </p:grpSpPr>
+      <p:sp>
+        <p:nvSpPr>
+          <p:cNvPr id="4" name="TextBox 3">
+            <a:extLst>
+              <a:ext uri="{FF2B5EF4-FFF2-40B4-BE49-F238E27FC236}">
+                <a16:creationId xmlns:a16="http://schemas.microsoft.com/office/drawing/2014/main" id="{211E18AC-37C9-25A7-6AF3-573FB20CF7B2}"/>
+              </a:ext>
+            </a:extLst>
+          </p:cNvPr>
+          <p:cNvSpPr txBox="1"/>
+          <p:nvPr/>
+        </p:nvSpPr>
+        <p:spPr>
+          <a:xfrm>
+            <a:off x="801278" y="631596"/>
+            <a:ext cx="9417378" cy="954107"/>
+          </a:xfrm>
+          <a:prstGeom prst="rect">
+            <a:avLst/>
+          </a:prstGeom>
+          <a:noFill/>
+        </p:spPr>
+        <p:txBody>
+          <a:bodyPr wrap="square" rtlCol="0">
+            <a:spAutoFit/>
+          </a:bodyPr>
+          <a:lstStyle/>
+          <a:p>
+            <a:r>
+              <a:rPr lang="en-US" sz="5600" b="1" dirty="0"/>
+              <a:t>Advantages</a:t>
+            </a:r>
+          </a:p>
+        </p:txBody>
+      </p:sp>
+      <p:sp>
+        <p:nvSpPr>
+          <p:cNvPr id="6" name="TextBox 5">
+            <a:extLst>
+              <a:ext uri="{FF2B5EF4-FFF2-40B4-BE49-F238E27FC236}">
+                <a16:creationId xmlns:a16="http://schemas.microsoft.com/office/drawing/2014/main" id="{2C415FD3-E069-68A8-80B9-6EE325770A98}"/>
+              </a:ext>
+            </a:extLst>
+          </p:cNvPr>
+          <p:cNvSpPr txBox="1"/>
+          <p:nvPr/>
+        </p:nvSpPr>
+        <p:spPr>
+          <a:xfrm>
+            <a:off x="622169" y="1913641"/>
+            <a:ext cx="10737130" cy="3693319"/>
+          </a:xfrm>
+          <a:prstGeom prst="rect">
+            <a:avLst/>
+          </a:prstGeom>
+          <a:noFill/>
+        </p:spPr>
+        <p:txBody>
+          <a:bodyPr wrap="square" rtlCol="0">
+            <a:spAutoFit/>
+          </a:bodyPr>
+          <a:lstStyle/>
+          <a:p>
+            <a:pPr marL="285750" indent="-285750">
+              <a:buFont typeface="Wingdings" panose="05000000000000000000" pitchFamily="2" charset="2"/>
+              <a:buChar char="Ø"/>
+            </a:pPr>
+            <a:r>
+              <a:rPr lang="en-US" dirty="0">
+                <a:solidFill>
+                  <a:schemeClr val="bg1"/>
+                </a:solidFill>
+              </a:rPr>
+              <a:t>Duplicity of document is not possible</a:t>
+            </a:r>
+          </a:p>
+          <a:p>
+            <a:pPr marL="285750" indent="-285750">
+              <a:buFont typeface="Wingdings" panose="05000000000000000000" pitchFamily="2" charset="2"/>
+              <a:buChar char="Ø"/>
+            </a:pPr>
+            <a:endParaRPr lang="en-US" dirty="0">
+              <a:solidFill>
+                <a:schemeClr val="bg1"/>
+              </a:solidFill>
+            </a:endParaRPr>
+          </a:p>
+          <a:p>
+            <a:pPr marL="285750" indent="-285750">
+              <a:buFont typeface="Wingdings" panose="05000000000000000000" pitchFamily="2" charset="2"/>
+              <a:buChar char="Ø"/>
+            </a:pPr>
+            <a:r>
+              <a:rPr lang="en-US" dirty="0">
+                <a:solidFill>
+                  <a:schemeClr val="bg1"/>
+                </a:solidFill>
+              </a:rPr>
+              <a:t>Tamper Proof</a:t>
+            </a:r>
+          </a:p>
+          <a:p>
+            <a:pPr marL="285750" indent="-285750">
+              <a:buFont typeface="Wingdings" panose="05000000000000000000" pitchFamily="2" charset="2"/>
+              <a:buChar char="Ø"/>
+            </a:pPr>
+            <a:endParaRPr lang="en-US" dirty="0">
+              <a:solidFill>
+                <a:schemeClr val="bg1"/>
+              </a:solidFill>
+            </a:endParaRPr>
+          </a:p>
+          <a:p>
+            <a:pPr marL="285750" indent="-285750">
+              <a:buFont typeface="Wingdings" panose="05000000000000000000" pitchFamily="2" charset="2"/>
+              <a:buChar char="Ø"/>
+            </a:pPr>
+            <a:r>
+              <a:rPr lang="en-US" dirty="0">
+                <a:solidFill>
+                  <a:schemeClr val="bg1"/>
+                </a:solidFill>
+              </a:rPr>
+              <a:t>Content addressing(cryptographic hash)</a:t>
+            </a:r>
+          </a:p>
+          <a:p>
+            <a:pPr marL="285750" indent="-285750">
+              <a:buFont typeface="Wingdings" panose="05000000000000000000" pitchFamily="2" charset="2"/>
+              <a:buChar char="Ø"/>
+            </a:pPr>
+            <a:endParaRPr lang="en-US" dirty="0">
+              <a:solidFill>
+                <a:schemeClr val="bg1"/>
+              </a:solidFill>
+            </a:endParaRPr>
+          </a:p>
+          <a:p>
+            <a:pPr marL="285750" indent="-285750">
+              <a:buFont typeface="Wingdings" panose="05000000000000000000" pitchFamily="2" charset="2"/>
+              <a:buChar char="Ø"/>
+            </a:pPr>
+            <a:r>
+              <a:rPr lang="en-US" dirty="0">
+                <a:solidFill>
+                  <a:schemeClr val="bg1"/>
+                </a:solidFill>
+              </a:rPr>
+              <a:t>High Security</a:t>
+            </a:r>
+          </a:p>
+          <a:p>
+            <a:pPr marL="285750" indent="-285750">
+              <a:buFont typeface="Wingdings" panose="05000000000000000000" pitchFamily="2" charset="2"/>
+              <a:buChar char="Ø"/>
+            </a:pPr>
+            <a:endParaRPr lang="en-US" dirty="0">
+              <a:solidFill>
+                <a:schemeClr val="bg1"/>
+              </a:solidFill>
+            </a:endParaRPr>
+          </a:p>
+          <a:p>
+            <a:pPr marL="285750" indent="-285750">
+              <a:buFont typeface="Wingdings" panose="05000000000000000000" pitchFamily="2" charset="2"/>
+              <a:buChar char="Ø"/>
+            </a:pPr>
+            <a:r>
+              <a:rPr lang="en-US" dirty="0">
+                <a:solidFill>
+                  <a:schemeClr val="bg1"/>
+                </a:solidFill>
+              </a:rPr>
+              <a:t>Highly transparent</a:t>
+            </a:r>
+          </a:p>
+          <a:p>
+            <a:pPr marL="285750" indent="-285750">
+              <a:buFont typeface="Wingdings" panose="05000000000000000000" pitchFamily="2" charset="2"/>
+              <a:buChar char="Ø"/>
+            </a:pPr>
+            <a:endParaRPr lang="en-US" dirty="0">
+              <a:solidFill>
+                <a:schemeClr val="bg1"/>
+              </a:solidFill>
+            </a:endParaRPr>
+          </a:p>
+          <a:p>
+            <a:pPr marL="285750" indent="-285750">
+              <a:buFont typeface="Wingdings" panose="05000000000000000000" pitchFamily="2" charset="2"/>
+              <a:buChar char="Ø"/>
+            </a:pPr>
+            <a:r>
+              <a:rPr lang="en-US" dirty="0">
+                <a:solidFill>
+                  <a:schemeClr val="bg1"/>
+                </a:solidFill>
+              </a:rPr>
+              <a:t>More immutable than </a:t>
+            </a:r>
+            <a:r>
+              <a:rPr lang="en-US">
+                <a:solidFill>
+                  <a:schemeClr val="bg1"/>
+                </a:solidFill>
+              </a:rPr>
+              <a:t>traditional method</a:t>
+            </a:r>
+          </a:p>
+          <a:p>
+            <a:pPr marL="285750" indent="-285750">
+              <a:buFont typeface="Wingdings" panose="05000000000000000000" pitchFamily="2" charset="2"/>
+              <a:buChar char="Ø"/>
+            </a:pPr>
+            <a:endParaRPr lang="en-US" dirty="0">
+              <a:solidFill>
+                <a:schemeClr val="bg1"/>
+              </a:solidFill>
+            </a:endParaRPr>
+          </a:p>
+          <a:p>
+            <a:pPr marL="285750" indent="-285750">
+              <a:buFont typeface="Wingdings" panose="05000000000000000000" pitchFamily="2" charset="2"/>
+              <a:buChar char="Ø"/>
+            </a:pPr>
+            <a:r>
+              <a:rPr lang="en-US" dirty="0">
+                <a:solidFill>
+                  <a:schemeClr val="bg1"/>
+                </a:solidFill>
+              </a:rPr>
+              <a:t>Verifiable</a:t>
+            </a:r>
+          </a:p>
+        </p:txBody>
+      </p:sp>
+    </p:spTree>
+    <p:extLst>
+      <p:ext uri="{BB962C8B-B14F-4D97-AF65-F5344CB8AC3E}">
+        <p14:creationId xmlns:p14="http://schemas.microsoft.com/office/powerpoint/2010/main" val="1246646740"/>
+      </p:ext>
+    </p:extLst>
+  </p:cSld>
+  <p:clrMapOvr>
+    <a:masterClrMapping/>
+  </p:clrMapOvr>
+</p:sld>
+</file>
+
+<file path=ppt/slides/slide6.xml><?xml version="1.0" encoding="utf-8"?>
 <p:sld xmlns:a="http://schemas.openxmlformats.org/drawingml/2006/main" xmlns:r="http://schemas.openxmlformats.org/officeDocument/2006/relationships" xmlns:p="http://schemas.openxmlformats.org/presentationml/2006/main">
   <p:cSld>
     <p:bg>
@@ -41918,7 +42301,7 @@
           <a:p>
             <a:r>
               <a:rPr lang="en-US" dirty="0"/>
-              <a:t>20XX</a:t>
+              <a:t>2023</a:t>
             </a:r>
           </a:p>
         </p:txBody>
@@ -41945,9 +42328,10 @@
           <a:lstStyle/>
           <a:p>
             <a:r>
-              <a:rPr lang="en-US" dirty="0"/>
-              <a:t>presentation title</a:t>
+              <a:rPr lang="en-US" dirty="0" err="1"/>
+              <a:t>MoRBS</a:t>
             </a:r>
+            <a:endParaRPr lang="en-US" dirty="0"/>
           </a:p>
         </p:txBody>
       </p:sp>
@@ -41975,7 +42359,7 @@
             <a:fld id="{58FB4751-880F-D840-AAA9-3A15815CC996}" type="slidenum">
               <a:rPr lang="en-US" smtClean="0"/>
               <a:pPr/>
-              <a:t>5</a:t>
+              <a:t>6</a:t>
             </a:fld>
             <a:endParaRPr lang="en-US" dirty="0"/>
           </a:p>
@@ -41994,7 +42378,7 @@
 </p:sld>
 </file>
 
-<file path=ppt/slides/slide6.xml><?xml version="1.0" encoding="utf-8"?>
+<file path=ppt/slides/slide7.xml><?xml version="1.0" encoding="utf-8"?>
 <p:sld xmlns:a="http://schemas.openxmlformats.org/drawingml/2006/main" xmlns:r="http://schemas.openxmlformats.org/officeDocument/2006/relationships" xmlns:p="http://schemas.openxmlformats.org/presentationml/2006/main">
   <p:cSld>
     <p:spTree>
@@ -42203,7 +42587,7 @@
           <a:p>
             <a:r>
               <a:rPr lang="en-US" dirty="0"/>
-              <a:t>20XX</a:t>
+              <a:t>2023</a:t>
             </a:r>
           </a:p>
         </p:txBody>
@@ -42230,9 +42614,10 @@
           <a:lstStyle/>
           <a:p>
             <a:r>
-              <a:rPr lang="en-US" dirty="0"/>
-              <a:t>presentation title</a:t>
+              <a:rPr lang="en-US" dirty="0" err="1"/>
+              <a:t>MoRBS</a:t>
             </a:r>
+            <a:endParaRPr lang="en-US" dirty="0"/>
           </a:p>
         </p:txBody>
       </p:sp>
@@ -42259,7 +42644,7 @@
           <a:p>
             <a:fld id="{58FB4751-880F-D840-AAA9-3A15815CC996}" type="slidenum">
               <a:rPr lang="en-US" smtClean="0"/>
-              <a:t>6</a:t>
+              <a:t>7</a:t>
             </a:fld>
             <a:endParaRPr lang="en-US" dirty="0"/>
           </a:p>
@@ -42278,7 +42663,7 @@
 </p:sld>
 </file>
 
-<file path=ppt/slides/slide7.xml><?xml version="1.0" encoding="utf-8"?>
+<file path=ppt/slides/slide8.xml><?xml version="1.0" encoding="utf-8"?>
 <p:sld xmlns:a="http://schemas.openxmlformats.org/drawingml/2006/main" xmlns:r="http://schemas.openxmlformats.org/officeDocument/2006/relationships" xmlns:p="http://schemas.openxmlformats.org/presentationml/2006/main">
   <p:cSld>
     <p:spTree>

--- a/Medical Record Blockchain Storage.pptx
+++ b/Medical Record Blockchain Storage.pptx
@@ -170,7 +170,7 @@
   <pc:docChgLst>
     <pc:chgData name="Nikhil Gautam" userId="64026ce4ff3d97ba" providerId="LiveId" clId="{041025EB-9D10-42A6-B014-F264B9119FE7}"/>
     <pc:docChg chg="undo custSel addSld delSld modSld sldOrd">
-      <pc:chgData name="Nikhil Gautam" userId="64026ce4ff3d97ba" providerId="LiveId" clId="{041025EB-9D10-42A6-B014-F264B9119FE7}" dt="2023-02-15T05:12:40.794" v="6061" actId="20577"/>
+      <pc:chgData name="Nikhil Gautam" userId="64026ce4ff3d97ba" providerId="LiveId" clId="{041025EB-9D10-42A6-B014-F264B9119FE7}" dt="2023-02-15T05:27:58.906" v="6115" actId="20577"/>
       <pc:docMkLst>
         <pc:docMk/>
       </pc:docMkLst>
@@ -531,13 +531,13 @@
         </pc:spChg>
       </pc:sldChg>
       <pc:sldChg chg="modSp mod">
-        <pc:chgData name="Nikhil Gautam" userId="64026ce4ff3d97ba" providerId="LiveId" clId="{041025EB-9D10-42A6-B014-F264B9119FE7}" dt="2023-02-15T04:36:45.996" v="5416" actId="20577"/>
+        <pc:chgData name="Nikhil Gautam" userId="64026ce4ff3d97ba" providerId="LiveId" clId="{041025EB-9D10-42A6-B014-F264B9119FE7}" dt="2023-02-15T05:27:58.906" v="6115" actId="20577"/>
         <pc:sldMkLst>
           <pc:docMk/>
           <pc:sldMk cId="2577936335" sldId="281"/>
         </pc:sldMkLst>
         <pc:spChg chg="mod">
-          <ac:chgData name="Nikhil Gautam" userId="64026ce4ff3d97ba" providerId="LiveId" clId="{041025EB-9D10-42A6-B014-F264B9119FE7}" dt="2023-02-15T04:36:45.996" v="5416" actId="20577"/>
+          <ac:chgData name="Nikhil Gautam" userId="64026ce4ff3d97ba" providerId="LiveId" clId="{041025EB-9D10-42A6-B014-F264B9119FE7}" dt="2023-02-15T05:27:58.906" v="6115" actId="20577"/>
           <ac:spMkLst>
             <pc:docMk/>
             <pc:sldMk cId="2577936335" sldId="281"/>
@@ -40873,15 +40873,7 @@
             </a:br>
             <a:r>
               <a:rPr lang="en-US" dirty="0"/>
-              <a:t>(</a:t>
-            </a:r>
-            <a:r>
-              <a:rPr lang="en-US" dirty="0" err="1"/>
-              <a:t>MoRBS</a:t>
-            </a:r>
-            <a:r>
-              <a:rPr lang="en-US" dirty="0"/>
-              <a:t>)</a:t>
+              <a:t>(MoRBS)</a:t>
             </a:r>
           </a:p>
         </p:txBody>
@@ -41631,10 +41623,9 @@
           <a:lstStyle/>
           <a:p>
             <a:r>
-              <a:rPr lang="en-US" dirty="0" err="1"/>
+              <a:rPr lang="en-US" dirty="0"/>
               <a:t>MoRBS</a:t>
             </a:r>
-            <a:endParaRPr lang="en-US" dirty="0"/>
           </a:p>
         </p:txBody>
       </p:sp>
@@ -42328,10 +42319,9 @@
           <a:lstStyle/>
           <a:p>
             <a:r>
-              <a:rPr lang="en-US" dirty="0" err="1"/>
+              <a:rPr lang="en-US" dirty="0"/>
               <a:t>MoRBS</a:t>
             </a:r>
-            <a:endParaRPr lang="en-US" dirty="0"/>
           </a:p>
         </p:txBody>
       </p:sp>
@@ -42614,10 +42604,9 @@
           <a:lstStyle/>
           <a:p>
             <a:r>
-              <a:rPr lang="en-US" dirty="0" err="1"/>
+              <a:rPr lang="en-US" dirty="0"/>
               <a:t>MoRBS</a:t>
             </a:r>
-            <a:endParaRPr lang="en-US" dirty="0"/>
           </a:p>
         </p:txBody>
       </p:sp>
@@ -42729,7 +42718,14 @@
           <a:bodyPr/>
           <a:lstStyle/>
           <a:p>
-            <a:endParaRPr lang="en-US" dirty="0"/>
+            <a:r>
+              <a:rPr lang="en-US"/>
+              <a:t>                                - </a:t>
+            </a:r>
+            <a:r>
+              <a:rPr lang="en-US" dirty="0"/>
+              <a:t>It’s MoRBS time!!</a:t>
+            </a:r>
           </a:p>
         </p:txBody>
       </p:sp>

--- a/Medical Record Blockchain Storage.pptx
+++ b/Medical Record Blockchain Storage.pptx
@@ -5,10 +5,10 @@
     <p:sldMasterId id="2147483648" r:id="rId1"/>
   </p:sldMasterIdLst>
   <p:notesMasterIdLst>
-    <p:notesMasterId r:id="rId10"/>
+    <p:notesMasterId r:id="rId11"/>
   </p:notesMasterIdLst>
   <p:handoutMasterIdLst>
-    <p:handoutMasterId r:id="rId11"/>
+    <p:handoutMasterId r:id="rId12"/>
   </p:handoutMasterIdLst>
   <p:sldIdLst>
     <p:sldId id="272" r:id="rId2"/>
@@ -18,7 +18,8 @@
     <p:sldId id="282" r:id="rId6"/>
     <p:sldId id="268" r:id="rId7"/>
     <p:sldId id="280" r:id="rId8"/>
-    <p:sldId id="281" r:id="rId9"/>
+    <p:sldId id="283" r:id="rId9"/>
+    <p:sldId id="281" r:id="rId10"/>
   </p:sldIdLst>
   <p:sldSz cx="12192000" cy="6858000"/>
   <p:notesSz cx="6858000" cy="9144000"/>
@@ -170,7 +171,7 @@
   <pc:docChgLst>
     <pc:chgData name="Nikhil Gautam" userId="64026ce4ff3d97ba" providerId="LiveId" clId="{041025EB-9D10-42A6-B014-F264B9119FE7}"/>
     <pc:docChg chg="undo custSel addSld delSld modSld sldOrd">
-      <pc:chgData name="Nikhil Gautam" userId="64026ce4ff3d97ba" providerId="LiveId" clId="{041025EB-9D10-42A6-B014-F264B9119FE7}" dt="2023-02-15T05:27:58.906" v="6115" actId="20577"/>
+      <pc:chgData name="Nikhil Gautam" userId="64026ce4ff3d97ba" providerId="LiveId" clId="{041025EB-9D10-42A6-B014-F264B9119FE7}" dt="2023-02-15T06:17:38.732" v="6200" actId="27636"/>
       <pc:docMkLst>
         <pc:docMk/>
       </pc:docMkLst>
@@ -531,13 +532,13 @@
         </pc:spChg>
       </pc:sldChg>
       <pc:sldChg chg="modSp mod">
-        <pc:chgData name="Nikhil Gautam" userId="64026ce4ff3d97ba" providerId="LiveId" clId="{041025EB-9D10-42A6-B014-F264B9119FE7}" dt="2023-02-15T05:27:58.906" v="6115" actId="20577"/>
+        <pc:chgData name="Nikhil Gautam" userId="64026ce4ff3d97ba" providerId="LiveId" clId="{041025EB-9D10-42A6-B014-F264B9119FE7}" dt="2023-02-15T06:17:38.732" v="6200" actId="27636"/>
         <pc:sldMkLst>
           <pc:docMk/>
           <pc:sldMk cId="2577936335" sldId="281"/>
         </pc:sldMkLst>
         <pc:spChg chg="mod">
-          <ac:chgData name="Nikhil Gautam" userId="64026ce4ff3d97ba" providerId="LiveId" clId="{041025EB-9D10-42A6-B014-F264B9119FE7}" dt="2023-02-15T05:27:58.906" v="6115" actId="20577"/>
+          <ac:chgData name="Nikhil Gautam" userId="64026ce4ff3d97ba" providerId="LiveId" clId="{041025EB-9D10-42A6-B014-F264B9119FE7}" dt="2023-02-15T06:17:38.732" v="6200" actId="27636"/>
           <ac:spMkLst>
             <pc:docMk/>
             <pc:sldMk cId="2577936335" sldId="281"/>
@@ -599,6 +600,61 @@
           </ac:spMkLst>
         </pc:spChg>
       </pc:sldChg>
+      <pc:sldChg chg="addSp delSp modSp new mod">
+        <pc:chgData name="Nikhil Gautam" userId="64026ce4ff3d97ba" providerId="LiveId" clId="{041025EB-9D10-42A6-B014-F264B9119FE7}" dt="2023-02-15T06:15:02.693" v="6184" actId="20577"/>
+        <pc:sldMkLst>
+          <pc:docMk/>
+          <pc:sldMk cId="229749716" sldId="283"/>
+        </pc:sldMkLst>
+        <pc:spChg chg="del">
+          <ac:chgData name="Nikhil Gautam" userId="64026ce4ff3d97ba" providerId="LiveId" clId="{041025EB-9D10-42A6-B014-F264B9119FE7}" dt="2023-02-15T06:14:53.456" v="6181" actId="478"/>
+          <ac:spMkLst>
+            <pc:docMk/>
+            <pc:sldMk cId="229749716" sldId="283"/>
+            <ac:spMk id="2" creationId="{A96E9866-D6C4-B4A3-3C33-8372E51C830A}"/>
+          </ac:spMkLst>
+        </pc:spChg>
+        <pc:spChg chg="mod">
+          <ac:chgData name="Nikhil Gautam" userId="64026ce4ff3d97ba" providerId="LiveId" clId="{041025EB-9D10-42A6-B014-F264B9119FE7}" dt="2023-02-15T06:15:02.693" v="6184" actId="20577"/>
+          <ac:spMkLst>
+            <pc:docMk/>
+            <pc:sldMk cId="229749716" sldId="283"/>
+            <ac:spMk id="6" creationId="{9DF24A5E-2864-0E41-FB02-99142B005E1A}"/>
+          </ac:spMkLst>
+        </pc:spChg>
+        <pc:spChg chg="add del mod">
+          <ac:chgData name="Nikhil Gautam" userId="64026ce4ff3d97ba" providerId="LiveId" clId="{041025EB-9D10-42A6-B014-F264B9119FE7}" dt="2023-02-15T06:14:48.908" v="6180" actId="478"/>
+          <ac:spMkLst>
+            <pc:docMk/>
+            <pc:sldMk cId="229749716" sldId="283"/>
+            <ac:spMk id="7" creationId="{2BA055F4-614B-2A49-39A2-CCFD4236B194}"/>
+          </ac:spMkLst>
+        </pc:spChg>
+        <pc:picChg chg="add del mod">
+          <ac:chgData name="Nikhil Gautam" userId="64026ce4ff3d97ba" providerId="LiveId" clId="{041025EB-9D10-42A6-B014-F264B9119FE7}" dt="2023-02-15T06:14:37.369" v="6174"/>
+          <ac:picMkLst>
+            <pc:docMk/>
+            <pc:sldMk cId="229749716" sldId="283"/>
+            <ac:picMk id="9" creationId="{ED6FACC2-C251-8470-F3E3-221DC4F682A9}"/>
+          </ac:picMkLst>
+        </pc:picChg>
+        <pc:picChg chg="add del mod">
+          <ac:chgData name="Nikhil Gautam" userId="64026ce4ff3d97ba" providerId="LiveId" clId="{041025EB-9D10-42A6-B014-F264B9119FE7}" dt="2023-02-15T06:14:45.605" v="6178"/>
+          <ac:picMkLst>
+            <pc:docMk/>
+            <pc:sldMk cId="229749716" sldId="283"/>
+            <ac:picMk id="11" creationId="{D0D8369D-AED0-AAD7-D20E-DC91366F31BA}"/>
+          </ac:picMkLst>
+        </pc:picChg>
+        <pc:picChg chg="add mod">
+          <ac:chgData name="Nikhil Gautam" userId="64026ce4ff3d97ba" providerId="LiveId" clId="{041025EB-9D10-42A6-B014-F264B9119FE7}" dt="2023-02-15T06:14:57.990" v="6183" actId="14100"/>
+          <ac:picMkLst>
+            <pc:docMk/>
+            <pc:sldMk cId="229749716" sldId="283"/>
+            <ac:picMk id="13" creationId="{384A1F2E-D9DC-5B52-E87E-FE920AC13E8F}"/>
+          </ac:picMkLst>
+        </pc:picChg>
+      </pc:sldChg>
       <pc:sldChg chg="modSp new del mod ord">
         <pc:chgData name="Nikhil Gautam" userId="64026ce4ff3d97ba" providerId="LiveId" clId="{041025EB-9D10-42A6-B014-F264B9119FE7}" dt="2023-02-15T03:11:56.071" v="1595" actId="47"/>
         <pc:sldMkLst>
@@ -613,6 +669,13 @@
             <ac:spMk id="2" creationId="{634DEE7E-F330-6C2D-7C00-6E62B1B2EC00}"/>
           </ac:spMkLst>
         </pc:spChg>
+      </pc:sldChg>
+      <pc:sldChg chg="new del">
+        <pc:chgData name="Nikhil Gautam" userId="64026ce4ff3d97ba" providerId="LiveId" clId="{041025EB-9D10-42A6-B014-F264B9119FE7}" dt="2023-02-15T06:11:06.670" v="6117" actId="47"/>
+        <pc:sldMkLst>
+          <pc:docMk/>
+          <pc:sldMk cId="3886503973" sldId="283"/>
+        </pc:sldMkLst>
       </pc:sldChg>
     </pc:docChg>
   </pc:docChgLst>
@@ -42671,6 +42734,181 @@
       </p:grpSpPr>
       <p:sp>
         <p:nvSpPr>
+          <p:cNvPr id="3" name="Date Placeholder 2">
+            <a:extLst>
+              <a:ext uri="{FF2B5EF4-FFF2-40B4-BE49-F238E27FC236}">
+                <a16:creationId xmlns:a16="http://schemas.microsoft.com/office/drawing/2014/main" id="{6A061154-21DE-AC93-0F27-EBC4F1C57B36}"/>
+              </a:ext>
+            </a:extLst>
+          </p:cNvPr>
+          <p:cNvSpPr>
+            <a:spLocks noGrp="1"/>
+          </p:cNvSpPr>
+          <p:nvPr>
+            <p:ph type="dt" sz="half" idx="10"/>
+          </p:nvPr>
+        </p:nvSpPr>
+        <p:spPr/>
+        <p:txBody>
+          <a:bodyPr/>
+          <a:lstStyle/>
+          <a:p>
+            <a:r>
+              <a:rPr lang="en-US"/>
+              <a:t>20XX</a:t>
+            </a:r>
+            <a:endParaRPr lang="en-US" dirty="0"/>
+          </a:p>
+        </p:txBody>
+      </p:sp>
+      <p:sp>
+        <p:nvSpPr>
+          <p:cNvPr id="4" name="Footer Placeholder 3">
+            <a:extLst>
+              <a:ext uri="{FF2B5EF4-FFF2-40B4-BE49-F238E27FC236}">
+                <a16:creationId xmlns:a16="http://schemas.microsoft.com/office/drawing/2014/main" id="{0EC055BA-1B5F-1905-C001-3AC473E233B4}"/>
+              </a:ext>
+            </a:extLst>
+          </p:cNvPr>
+          <p:cNvSpPr>
+            <a:spLocks noGrp="1"/>
+          </p:cNvSpPr>
+          <p:nvPr>
+            <p:ph type="ftr" sz="quarter" idx="11"/>
+          </p:nvPr>
+        </p:nvSpPr>
+        <p:spPr/>
+        <p:txBody>
+          <a:bodyPr/>
+          <a:lstStyle/>
+          <a:p>
+            <a:r>
+              <a:rPr lang="en-US"/>
+              <a:t>presentation title</a:t>
+            </a:r>
+            <a:endParaRPr lang="en-US" dirty="0"/>
+          </a:p>
+        </p:txBody>
+      </p:sp>
+      <p:sp>
+        <p:nvSpPr>
+          <p:cNvPr id="5" name="Slide Number Placeholder 4">
+            <a:extLst>
+              <a:ext uri="{FF2B5EF4-FFF2-40B4-BE49-F238E27FC236}">
+                <a16:creationId xmlns:a16="http://schemas.microsoft.com/office/drawing/2014/main" id="{B2BED19B-8CA8-AF09-0D3B-43230078AA5F}"/>
+              </a:ext>
+            </a:extLst>
+          </p:cNvPr>
+          <p:cNvSpPr>
+            <a:spLocks noGrp="1"/>
+          </p:cNvSpPr>
+          <p:nvPr>
+            <p:ph type="sldNum" sz="quarter" idx="12"/>
+          </p:nvPr>
+        </p:nvSpPr>
+        <p:spPr/>
+        <p:txBody>
+          <a:bodyPr/>
+          <a:lstStyle/>
+          <a:p>
+            <a:fld id="{58FB4751-880F-D840-AAA9-3A15815CC996}" type="slidenum">
+              <a:rPr lang="en-US" smtClean="0"/>
+              <a:t>8</a:t>
+            </a:fld>
+            <a:endParaRPr lang="en-US" dirty="0"/>
+          </a:p>
+        </p:txBody>
+      </p:sp>
+      <p:sp>
+        <p:nvSpPr>
+          <p:cNvPr id="6" name="Title 5">
+            <a:extLst>
+              <a:ext uri="{FF2B5EF4-FFF2-40B4-BE49-F238E27FC236}">
+                <a16:creationId xmlns:a16="http://schemas.microsoft.com/office/drawing/2014/main" id="{9DF24A5E-2864-0E41-FB02-99142B005E1A}"/>
+              </a:ext>
+            </a:extLst>
+          </p:cNvPr>
+          <p:cNvSpPr>
+            <a:spLocks noGrp="1"/>
+          </p:cNvSpPr>
+          <p:nvPr>
+            <p:ph type="title"/>
+          </p:nvPr>
+        </p:nvSpPr>
+        <p:spPr/>
+        <p:txBody>
+          <a:bodyPr/>
+          <a:lstStyle/>
+          <a:p>
+            <a:r>
+              <a:rPr lang="en-US" dirty="0"/>
+              <a:t>Screenshot</a:t>
+            </a:r>
+          </a:p>
+        </p:txBody>
+      </p:sp>
+      <p:pic>
+        <p:nvPicPr>
+          <p:cNvPr id="13" name="Picture 12">
+            <a:extLst>
+              <a:ext uri="{FF2B5EF4-FFF2-40B4-BE49-F238E27FC236}">
+                <a16:creationId xmlns:a16="http://schemas.microsoft.com/office/drawing/2014/main" id="{384A1F2E-D9DC-5B52-E87E-FE920AC13E8F}"/>
+              </a:ext>
+            </a:extLst>
+          </p:cNvPr>
+          <p:cNvPicPr>
+            <a:picLocks noChangeAspect="1"/>
+          </p:cNvPicPr>
+          <p:nvPr/>
+        </p:nvPicPr>
+        <p:blipFill>
+          <a:blip r:embed="rId2"/>
+          <a:stretch>
+            <a:fillRect/>
+          </a:stretch>
+        </p:blipFill>
+        <p:spPr>
+          <a:xfrm>
+            <a:off x="0" y="1380744"/>
+            <a:ext cx="12192000" cy="5477256"/>
+          </a:xfrm>
+          <a:prstGeom prst="rect">
+            <a:avLst/>
+          </a:prstGeom>
+        </p:spPr>
+      </p:pic>
+    </p:spTree>
+    <p:extLst>
+      <p:ext uri="{BB962C8B-B14F-4D97-AF65-F5344CB8AC3E}">
+        <p14:creationId xmlns:p14="http://schemas.microsoft.com/office/powerpoint/2010/main" val="229749716"/>
+      </p:ext>
+    </p:extLst>
+  </p:cSld>
+  <p:clrMapOvr>
+    <a:masterClrMapping/>
+  </p:clrMapOvr>
+</p:sld>
+</file>
+
+<file path=ppt/slides/slide9.xml><?xml version="1.0" encoding="utf-8"?>
+<p:sld xmlns:a="http://schemas.openxmlformats.org/drawingml/2006/main" xmlns:r="http://schemas.openxmlformats.org/officeDocument/2006/relationships" xmlns:p="http://schemas.openxmlformats.org/presentationml/2006/main">
+  <p:cSld>
+    <p:spTree>
+      <p:nvGrpSpPr>
+        <p:cNvPr id="1" name=""/>
+        <p:cNvGrpSpPr/>
+        <p:nvPr/>
+      </p:nvGrpSpPr>
+      <p:grpSpPr>
+        <a:xfrm>
+          <a:off x="0" y="0"/>
+          <a:ext cx="0" cy="0"/>
+          <a:chOff x="0" y="0"/>
+          <a:chExt cx="0" cy="0"/>
+        </a:xfrm>
+      </p:grpSpPr>
+      <p:sp>
+        <p:nvSpPr>
           <p:cNvPr id="2" name="Title 1">
             <a:extLst>
               <a:ext uri="{FF2B5EF4-FFF2-40B4-BE49-F238E27FC236}">
@@ -42715,17 +42953,31 @@
         </p:nvSpPr>
         <p:spPr/>
         <p:txBody>
-          <a:bodyPr/>
+          <a:bodyPr>
+            <a:normAutofit/>
+          </a:bodyPr>
           <a:lstStyle/>
           <a:p>
             <a:r>
-              <a:rPr lang="en-US"/>
-              <a:t>                                - </a:t>
+              <a:rPr lang="en-US" dirty="0"/>
+              <a:t>                                - It’s MoRBS time!!</a:t>
+            </a:r>
+          </a:p>
+          <a:p>
+            <a:r>
+              <a:rPr lang="en-US" dirty="0"/>
+              <a:t>GitHub link-: </a:t>
             </a:r>
             <a:r>
-              <a:rPr lang="en-US" dirty="0"/>
-              <a:t>It’s MoRBS time!!</a:t>
+              <a:rPr lang="en-US" dirty="0">
+                <a:hlinkClick r:id="rId2"/>
+              </a:rPr>
+              <a:t>https://github.com/Nikhil1601/Medical-Record-Blockchain-Storage-</a:t>
             </a:r>
+            <a:endParaRPr lang="en-US" dirty="0"/>
+          </a:p>
+          <a:p>
+            <a:endParaRPr lang="en-US" dirty="0"/>
           </a:p>
         </p:txBody>
       </p:sp>

--- a/Medical Record Blockchain Storage.pptx
+++ b/Medical Record Blockchain Storage.pptx
@@ -171,7 +171,7 @@
   <pc:docChgLst>
     <pc:chgData name="Nikhil Gautam" userId="64026ce4ff3d97ba" providerId="LiveId" clId="{041025EB-9D10-42A6-B014-F264B9119FE7}"/>
     <pc:docChg chg="undo custSel addSld delSld modSld sldOrd">
-      <pc:chgData name="Nikhil Gautam" userId="64026ce4ff3d97ba" providerId="LiveId" clId="{041025EB-9D10-42A6-B014-F264B9119FE7}" dt="2023-02-15T06:17:38.732" v="6200" actId="27636"/>
+      <pc:chgData name="Nikhil Gautam" userId="64026ce4ff3d97ba" providerId="LiveId" clId="{041025EB-9D10-42A6-B014-F264B9119FE7}" dt="2023-02-15T09:00:06.338" v="6202" actId="207"/>
       <pc:docMkLst>
         <pc:docMk/>
       </pc:docMkLst>
@@ -455,7 +455,7 @@
         </pc:graphicFrameChg>
       </pc:sldChg>
       <pc:sldChg chg="addSp delSp modSp mod">
-        <pc:chgData name="Nikhil Gautam" userId="64026ce4ff3d97ba" providerId="LiveId" clId="{041025EB-9D10-42A6-B014-F264B9119FE7}" dt="2023-02-15T05:06:26.828" v="5847" actId="207"/>
+        <pc:chgData name="Nikhil Gautam" userId="64026ce4ff3d97ba" providerId="LiveId" clId="{041025EB-9D10-42A6-B014-F264B9119FE7}" dt="2023-02-15T09:00:06.338" v="6202" actId="207"/>
         <pc:sldMkLst>
           <pc:docMk/>
           <pc:sldMk cId="520000563" sldId="278"/>
@@ -477,7 +477,7 @@
           </ac:spMkLst>
         </pc:spChg>
         <pc:spChg chg="add mod">
-          <ac:chgData name="Nikhil Gautam" userId="64026ce4ff3d97ba" providerId="LiveId" clId="{041025EB-9D10-42A6-B014-F264B9119FE7}" dt="2023-02-15T05:06:26.828" v="5847" actId="207"/>
+          <ac:chgData name="Nikhil Gautam" userId="64026ce4ff3d97ba" providerId="LiveId" clId="{041025EB-9D10-42A6-B014-F264B9119FE7}" dt="2023-02-15T09:00:06.338" v="6202" actId="207"/>
           <ac:spMkLst>
             <pc:docMk/>
             <pc:sldMk cId="520000563" sldId="278"/>
@@ -41809,7 +41809,7 @@
         </p:nvSpPr>
         <p:spPr>
           <a:xfrm>
-            <a:off x="1234911" y="2111605"/>
+            <a:off x="1432873" y="2026764"/>
             <a:ext cx="9191134" cy="3693319"/>
           </a:xfrm>
           <a:prstGeom prst="rect">
@@ -41826,7 +41826,9 @@
             <a:r>
               <a:rPr lang="en-US" dirty="0">
                 <a:solidFill>
-                  <a:schemeClr val="bg1"/>
+                  <a:schemeClr val="bg2">
+                    <a:lumMod val="10000"/>
+                  </a:schemeClr>
                 </a:solidFill>
               </a:rPr>
               <a:t>Medical record storage system is a blockchain based system to store medical records of a patient online on a safe and secure blockchain network. Blockchain is an emerging technology which could be used to store data online on a decentralized storage which is more secure and transparent that traditional cloud networks. </a:t>
@@ -41836,7 +41838,9 @@
             <a:r>
               <a:rPr lang="en-US" dirty="0">
                 <a:solidFill>
-                  <a:schemeClr val="bg1"/>
+                  <a:schemeClr val="bg2">
+                    <a:lumMod val="10000"/>
+                  </a:schemeClr>
                 </a:solidFill>
               </a:rPr>
               <a:t>           In our project we are developing a document upload website using Recat.js, IPFS, Truffle, Solidity. We are using IPFS network as a network to store data. We are using truffle to generate hash address and unbox data, Solidity is the language that we are using to generate smart contract to run our blockchain network. React.js is used to develop frontend for the system.</a:t>
@@ -41846,7 +41850,9 @@
             <a:r>
               <a:rPr lang="en-US" dirty="0">
                 <a:solidFill>
-                  <a:schemeClr val="bg1"/>
+                  <a:schemeClr val="bg2">
+                    <a:lumMod val="10000"/>
+                  </a:schemeClr>
                 </a:solidFill>
               </a:rPr>
               <a:t>          In our network majority shares of the block will be available to user so that he will be able to control the access to his details and data. After patient provides the access to the doctor he can study the reports to diagnose the patient. For registration we will complete KYC of patient and for doctor we will verify his/her medical certificates and then provide him/her access to our service. An option will also be provided to add a guardian as if someone is not able to provide access.</a:t>
